--- a/NightFigher's WebSite.pptx
+++ b/NightFigher's WebSite.pptx
@@ -7328,7 +7328,7 @@
           <a:p>
             <a:fld id="{0FD0A9DB-8540-4035-9E54-3C2D3C805C03}" type="datetimeFigureOut">
               <a:rPr lang="tr-TR" smtClean="0"/>
-              <a:t>30.03.2022</a:t>
+              <a:t>19.04.2022</a:t>
             </a:fld>
             <a:endParaRPr lang="tr-TR"/>
           </a:p>
@@ -7826,7 +7826,7 @@
           <a:p>
             <a:fld id="{5082BF3D-3B8C-4D14-9E5C-C134691D7AF1}" type="datetimeFigureOut">
               <a:rPr lang="tr-TR" smtClean="0"/>
-              <a:t>30.03.2022</a:t>
+              <a:t>19.04.2022</a:t>
             </a:fld>
             <a:endParaRPr lang="tr-TR"/>
           </a:p>
@@ -8024,7 +8024,7 @@
           <a:p>
             <a:fld id="{5082BF3D-3B8C-4D14-9E5C-C134691D7AF1}" type="datetimeFigureOut">
               <a:rPr lang="tr-TR" smtClean="0"/>
-              <a:t>30.03.2022</a:t>
+              <a:t>19.04.2022</a:t>
             </a:fld>
             <a:endParaRPr lang="tr-TR"/>
           </a:p>
@@ -8232,7 +8232,7 @@
           <a:p>
             <a:fld id="{5082BF3D-3B8C-4D14-9E5C-C134691D7AF1}" type="datetimeFigureOut">
               <a:rPr lang="tr-TR" smtClean="0"/>
-              <a:t>30.03.2022</a:t>
+              <a:t>19.04.2022</a:t>
             </a:fld>
             <a:endParaRPr lang="tr-TR"/>
           </a:p>
@@ -8430,7 +8430,7 @@
           <a:p>
             <a:fld id="{5082BF3D-3B8C-4D14-9E5C-C134691D7AF1}" type="datetimeFigureOut">
               <a:rPr lang="tr-TR" smtClean="0"/>
-              <a:t>30.03.2022</a:t>
+              <a:t>19.04.2022</a:t>
             </a:fld>
             <a:endParaRPr lang="tr-TR"/>
           </a:p>
@@ -8705,7 +8705,7 @@
           <a:p>
             <a:fld id="{5082BF3D-3B8C-4D14-9E5C-C134691D7AF1}" type="datetimeFigureOut">
               <a:rPr lang="tr-TR" smtClean="0"/>
-              <a:t>30.03.2022</a:t>
+              <a:t>19.04.2022</a:t>
             </a:fld>
             <a:endParaRPr lang="tr-TR"/>
           </a:p>
@@ -8970,7 +8970,7 @@
           <a:p>
             <a:fld id="{5082BF3D-3B8C-4D14-9E5C-C134691D7AF1}" type="datetimeFigureOut">
               <a:rPr lang="tr-TR" smtClean="0"/>
-              <a:t>30.03.2022</a:t>
+              <a:t>19.04.2022</a:t>
             </a:fld>
             <a:endParaRPr lang="tr-TR"/>
           </a:p>
@@ -9382,7 +9382,7 @@
           <a:p>
             <a:fld id="{5082BF3D-3B8C-4D14-9E5C-C134691D7AF1}" type="datetimeFigureOut">
               <a:rPr lang="tr-TR" smtClean="0"/>
-              <a:t>30.03.2022</a:t>
+              <a:t>19.04.2022</a:t>
             </a:fld>
             <a:endParaRPr lang="tr-TR"/>
           </a:p>
@@ -9523,7 +9523,7 @@
           <a:p>
             <a:fld id="{5082BF3D-3B8C-4D14-9E5C-C134691D7AF1}" type="datetimeFigureOut">
               <a:rPr lang="tr-TR" smtClean="0"/>
-              <a:t>30.03.2022</a:t>
+              <a:t>19.04.2022</a:t>
             </a:fld>
             <a:endParaRPr lang="tr-TR"/>
           </a:p>
@@ -9636,7 +9636,7 @@
           <a:p>
             <a:fld id="{5082BF3D-3B8C-4D14-9E5C-C134691D7AF1}" type="datetimeFigureOut">
               <a:rPr lang="tr-TR" smtClean="0"/>
-              <a:t>30.03.2022</a:t>
+              <a:t>19.04.2022</a:t>
             </a:fld>
             <a:endParaRPr lang="tr-TR"/>
           </a:p>
@@ -9947,7 +9947,7 @@
           <a:p>
             <a:fld id="{5082BF3D-3B8C-4D14-9E5C-C134691D7AF1}" type="datetimeFigureOut">
               <a:rPr lang="tr-TR" smtClean="0"/>
-              <a:t>30.03.2022</a:t>
+              <a:t>19.04.2022</a:t>
             </a:fld>
             <a:endParaRPr lang="tr-TR"/>
           </a:p>
@@ -10235,7 +10235,7 @@
           <a:p>
             <a:fld id="{5082BF3D-3B8C-4D14-9E5C-C134691D7AF1}" type="datetimeFigureOut">
               <a:rPr lang="tr-TR" smtClean="0"/>
-              <a:t>30.03.2022</a:t>
+              <a:t>19.04.2022</a:t>
             </a:fld>
             <a:endParaRPr lang="tr-TR"/>
           </a:p>
@@ -10476,7 +10476,7 @@
           <a:p>
             <a:fld id="{5082BF3D-3B8C-4D14-9E5C-C134691D7AF1}" type="datetimeFigureOut">
               <a:rPr lang="tr-TR" smtClean="0"/>
-              <a:t>30.03.2022</a:t>
+              <a:t>19.04.2022</a:t>
             </a:fld>
             <a:endParaRPr lang="tr-TR"/>
           </a:p>
@@ -11272,6 +11272,61 @@
           </a:p>
         </p:txBody>
       </p:sp>
+      <p:pic>
+        <p:nvPicPr>
+          <p:cNvPr id="3" name="Resim 2">
+            <a:extLst>
+              <a:ext uri="{FF2B5EF4-FFF2-40B4-BE49-F238E27FC236}">
+                <a16:creationId xmlns:a16="http://schemas.microsoft.com/office/drawing/2014/main" id="{7C22F4B0-2414-4C28-A4A8-D92E9F690F63}"/>
+              </a:ext>
+            </a:extLst>
+          </p:cNvPr>
+          <p:cNvPicPr>
+            <a:picLocks noChangeAspect="1"/>
+          </p:cNvPicPr>
+          <p:nvPr/>
+        </p:nvPicPr>
+        <p:blipFill>
+          <a:blip r:embed="rId6">
+            <a:extLst>
+              <a:ext uri="{BEBA8EAE-BF5A-486C-A8C5-ECC9F3942E4B}">
+                <a14:imgProps xmlns:a14="http://schemas.microsoft.com/office/drawing/2010/main">
+                  <a14:imgLayer r:embed="rId7">
+                    <a14:imgEffect>
+                      <a14:backgroundRemoval t="2137" b="99573" l="0" r="100000">
+                        <a14:foregroundMark x1="15764" y1="88034" x2="21675" y2="78205"/>
+                        <a14:foregroundMark x1="88670" y1="91453" x2="82266" y2="75214"/>
+                        <a14:foregroundMark x1="33005" y1="54701" x2="33005" y2="54701"/>
+                        <a14:backgroundMark x1="13300" y1="52564" x2="13300" y2="52564"/>
+                        <a14:backgroundMark x1="30542" y1="48291" x2="30542" y2="48291"/>
+                        <a14:backgroundMark x1="86207" y1="50855" x2="83251" y2="26496"/>
+                        <a14:backgroundMark x1="24631" y1="54701" x2="13793" y2="39744"/>
+                        <a14:backgroundMark x1="68966" y1="52564" x2="68966" y2="52564"/>
+                        <a14:backgroundMark x1="67488" y1="48718" x2="67488" y2="48718"/>
+                      </a14:backgroundRemoval>
+                    </a14:imgEffect>
+                  </a14:imgLayer>
+                </a14:imgProps>
+              </a:ext>
+              <a:ext uri="{28A0092B-C50C-407E-A947-70E740481C1C}">
+                <a14:useLocalDpi xmlns:a14="http://schemas.microsoft.com/office/drawing/2010/main" val="0"/>
+              </a:ext>
+            </a:extLst>
+          </a:blip>
+          <a:stretch>
+            <a:fillRect/>
+          </a:stretch>
+        </p:blipFill>
+        <p:spPr>
+          <a:xfrm>
+            <a:off x="1591526" y="2060070"/>
+            <a:ext cx="843742" cy="972589"/>
+          </a:xfrm>
+          <a:prstGeom prst="rect">
+            <a:avLst/>
+          </a:prstGeom>
+        </p:spPr>
+      </p:pic>
     </p:spTree>
     <p:extLst>
       <p:ext uri="{BB962C8B-B14F-4D97-AF65-F5344CB8AC3E}">
